--- a/src/actionScheduler/UtilsFunc/Report.pptx
+++ b/src/actionScheduler/UtilsFunc/Report.pptx
@@ -6,15 +6,16 @@
   </p:sldMasterIdLst>
   <p:sldIdLst>
     <p:sldId id="256" r:id="rId2"/>
-    <p:sldId id="265" r:id="rId3"/>
-    <p:sldId id="264" r:id="rId4"/>
-    <p:sldId id="263" r:id="rId5"/>
-    <p:sldId id="262" r:id="rId6"/>
-    <p:sldId id="261" r:id="rId7"/>
-    <p:sldId id="260" r:id="rId8"/>
-    <p:sldId id="259" r:id="rId9"/>
-    <p:sldId id="258" r:id="rId10"/>
-    <p:sldId id="257" r:id="rId11"/>
+    <p:sldId id="266" r:id="rId3"/>
+    <p:sldId id="265" r:id="rId4"/>
+    <p:sldId id="264" r:id="rId5"/>
+    <p:sldId id="263" r:id="rId6"/>
+    <p:sldId id="262" r:id="rId7"/>
+    <p:sldId id="261" r:id="rId8"/>
+    <p:sldId id="260" r:id="rId9"/>
+    <p:sldId id="259" r:id="rId10"/>
+    <p:sldId id="258" r:id="rId11"/>
+    <p:sldId id="257" r:id="rId12"/>
   </p:sldIdLst>
   <p:sldSz cx="12192000" cy="6858000"/>
   <p:notesSz cx="6858000" cy="9144000"/>
@@ -270,7 +271,7 @@
           <a:p>
             <a:fld id="{0CD96DE3-680F-449E-9B5B-353E17EEB26E}" type="datetimeFigureOut">
               <a:rPr lang="en-SG" smtClean="0"/>
-              <a:t>13/1/2023</a:t>
+              <a:t>22/2/2023</a:t>
             </a:fld>
             <a:endParaRPr lang="en-SG"/>
           </a:p>
@@ -470,7 +471,7 @@
           <a:p>
             <a:fld id="{0CD96DE3-680F-449E-9B5B-353E17EEB26E}" type="datetimeFigureOut">
               <a:rPr lang="en-SG" smtClean="0"/>
-              <a:t>13/1/2023</a:t>
+              <a:t>22/2/2023</a:t>
             </a:fld>
             <a:endParaRPr lang="en-SG"/>
           </a:p>
@@ -680,7 +681,7 @@
           <a:p>
             <a:fld id="{0CD96DE3-680F-449E-9B5B-353E17EEB26E}" type="datetimeFigureOut">
               <a:rPr lang="en-SG" smtClean="0"/>
-              <a:t>13/1/2023</a:t>
+              <a:t>22/2/2023</a:t>
             </a:fld>
             <a:endParaRPr lang="en-SG"/>
           </a:p>
@@ -880,7 +881,7 @@
           <a:p>
             <a:fld id="{0CD96DE3-680F-449E-9B5B-353E17EEB26E}" type="datetimeFigureOut">
               <a:rPr lang="en-SG" smtClean="0"/>
-              <a:t>13/1/2023</a:t>
+              <a:t>22/2/2023</a:t>
             </a:fld>
             <a:endParaRPr lang="en-SG"/>
           </a:p>
@@ -1156,7 +1157,7 @@
           <a:p>
             <a:fld id="{0CD96DE3-680F-449E-9B5B-353E17EEB26E}" type="datetimeFigureOut">
               <a:rPr lang="en-SG" smtClean="0"/>
-              <a:t>13/1/2023</a:t>
+              <a:t>22/2/2023</a:t>
             </a:fld>
             <a:endParaRPr lang="en-SG"/>
           </a:p>
@@ -1424,7 +1425,7 @@
           <a:p>
             <a:fld id="{0CD96DE3-680F-449E-9B5B-353E17EEB26E}" type="datetimeFigureOut">
               <a:rPr lang="en-SG" smtClean="0"/>
-              <a:t>13/1/2023</a:t>
+              <a:t>22/2/2023</a:t>
             </a:fld>
             <a:endParaRPr lang="en-SG"/>
           </a:p>
@@ -1839,7 +1840,7 @@
           <a:p>
             <a:fld id="{0CD96DE3-680F-449E-9B5B-353E17EEB26E}" type="datetimeFigureOut">
               <a:rPr lang="en-SG" smtClean="0"/>
-              <a:t>13/1/2023</a:t>
+              <a:t>22/2/2023</a:t>
             </a:fld>
             <a:endParaRPr lang="en-SG"/>
           </a:p>
@@ -1981,7 +1982,7 @@
           <a:p>
             <a:fld id="{0CD96DE3-680F-449E-9B5B-353E17EEB26E}" type="datetimeFigureOut">
               <a:rPr lang="en-SG" smtClean="0"/>
-              <a:t>13/1/2023</a:t>
+              <a:t>22/2/2023</a:t>
             </a:fld>
             <a:endParaRPr lang="en-SG"/>
           </a:p>
@@ -2094,7 +2095,7 @@
           <a:p>
             <a:fld id="{0CD96DE3-680F-449E-9B5B-353E17EEB26E}" type="datetimeFigureOut">
               <a:rPr lang="en-SG" smtClean="0"/>
-              <a:t>13/1/2023</a:t>
+              <a:t>22/2/2023</a:t>
             </a:fld>
             <a:endParaRPr lang="en-SG"/>
           </a:p>
@@ -2407,7 +2408,7 @@
           <a:p>
             <a:fld id="{0CD96DE3-680F-449E-9B5B-353E17EEB26E}" type="datetimeFigureOut">
               <a:rPr lang="en-SG" smtClean="0"/>
-              <a:t>13/1/2023</a:t>
+              <a:t>22/2/2023</a:t>
             </a:fld>
             <a:endParaRPr lang="en-SG"/>
           </a:p>
@@ -2696,7 +2697,7 @@
           <a:p>
             <a:fld id="{0CD96DE3-680F-449E-9B5B-353E17EEB26E}" type="datetimeFigureOut">
               <a:rPr lang="en-SG" smtClean="0"/>
-              <a:t>13/1/2023</a:t>
+              <a:t>22/2/2023</a:t>
             </a:fld>
             <a:endParaRPr lang="en-SG"/>
           </a:p>
@@ -2939,7 +2940,7 @@
           <a:p>
             <a:fld id="{0CD96DE3-680F-449E-9B5B-353E17EEB26E}" type="datetimeFigureOut">
               <a:rPr lang="en-SG" smtClean="0"/>
-              <a:t>13/1/2023</a:t>
+              <a:t>22/2/2023</a:t>
             </a:fld>
             <a:endParaRPr lang="en-SG"/>
           </a:p>
@@ -3458,6 +3459,101 @@
           <p:cNvPr id="2" name="Title 1">
             <a:extLst>
               <a:ext uri="{FF2B5EF4-FFF2-40B4-BE49-F238E27FC236}">
+                <a16:creationId xmlns:a16="http://schemas.microsoft.com/office/drawing/2014/main" id="{183F2662-3D0E-6E10-7F6A-4AD88D589011}"/>
+              </a:ext>
+            </a:extLst>
+          </p:cNvPr>
+          <p:cNvSpPr>
+            <a:spLocks noGrp="1"/>
+          </p:cNvSpPr>
+          <p:nvPr>
+            <p:ph type="title"/>
+          </p:nvPr>
+        </p:nvSpPr>
+        <p:spPr/>
+        <p:txBody>
+          <a:bodyPr/>
+          <a:lstStyle/>
+          <a:p>
+            <a:r>
+              <a:rPr lang="en-US" dirty="0"/>
+              <a:t>I am bob, every day I need to write a report, </a:t>
+            </a:r>
+            <a:br>
+              <a:rPr lang="en-US" dirty="0"/>
+            </a:br>
+            <a:r>
+              <a:rPr lang="en-US" dirty="0"/>
+              <a:t> feel so boring1	but I have to </a:t>
+            </a:r>
+            <a:r>
+              <a:rPr lang="en-US"/>
+              <a:t>do this</a:t>
+            </a:r>
+            <a:endParaRPr lang="en-SG"/>
+          </a:p>
+        </p:txBody>
+      </p:sp>
+      <p:sp>
+        <p:nvSpPr>
+          <p:cNvPr id="3" name="Content Placeholder 2">
+            <a:extLst>
+              <a:ext uri="{FF2B5EF4-FFF2-40B4-BE49-F238E27FC236}">
+                <a16:creationId xmlns:a16="http://schemas.microsoft.com/office/drawing/2014/main" id="{8D88818A-4ABC-F480-7B77-6F5545AA4231}"/>
+              </a:ext>
+            </a:extLst>
+          </p:cNvPr>
+          <p:cNvSpPr>
+            <a:spLocks noGrp="1"/>
+          </p:cNvSpPr>
+          <p:nvPr>
+            <p:ph idx="1"/>
+          </p:nvPr>
+        </p:nvSpPr>
+        <p:spPr/>
+        <p:txBody>
+          <a:bodyPr/>
+          <a:lstStyle/>
+          <a:p>
+            <a:endParaRPr lang="en-SG"/>
+          </a:p>
+        </p:txBody>
+      </p:sp>
+    </p:spTree>
+    <p:extLst>
+      <p:ext uri="{BB962C8B-B14F-4D97-AF65-F5344CB8AC3E}">
+        <p14:creationId xmlns:p14="http://schemas.microsoft.com/office/powerpoint/2010/main" val="714877724"/>
+      </p:ext>
+    </p:extLst>
+  </p:cSld>
+  <p:clrMapOvr>
+    <a:masterClrMapping/>
+  </p:clrMapOvr>
+</p:sld>
+</file>
+
+<file path=ppt/slides/slide11.xml><?xml version="1.0" encoding="utf-8"?>
+<p:sld xmlns:a="http://schemas.openxmlformats.org/drawingml/2006/main" xmlns:r="http://schemas.openxmlformats.org/officeDocument/2006/relationships" xmlns:p="http://schemas.openxmlformats.org/presentationml/2006/main">
+  <p:cSld>
+    <p:spTree>
+      <p:nvGrpSpPr>
+        <p:cNvPr id="1" name=""/>
+        <p:cNvGrpSpPr/>
+        <p:nvPr/>
+      </p:nvGrpSpPr>
+      <p:grpSpPr>
+        <a:xfrm>
+          <a:off x="0" y="0"/>
+          <a:ext cx="0" cy="0"/>
+          <a:chOff x="0" y="0"/>
+          <a:chExt cx="0" cy="0"/>
+        </a:xfrm>
+      </p:grpSpPr>
+      <p:sp>
+        <p:nvSpPr>
+          <p:cNvPr id="2" name="Title 1">
+            <a:extLst>
+              <a:ext uri="{FF2B5EF4-FFF2-40B4-BE49-F238E27FC236}">
                 <a16:creationId xmlns:a16="http://schemas.microsoft.com/office/drawing/2014/main" id="{A0ED4A17-E9A7-BD15-3794-76F19A958848}"/>
               </a:ext>
             </a:extLst>
@@ -3553,6 +3649,145 @@
           <p:cNvPr id="2" name="Title 1">
             <a:extLst>
               <a:ext uri="{FF2B5EF4-FFF2-40B4-BE49-F238E27FC236}">
+                <a16:creationId xmlns:a16="http://schemas.microsoft.com/office/drawing/2014/main" id="{1E16DADC-E5C2-B146-AD45-DE68A177CB5A}"/>
+              </a:ext>
+            </a:extLst>
+          </p:cNvPr>
+          <p:cNvSpPr>
+            <a:spLocks noGrp="1"/>
+          </p:cNvSpPr>
+          <p:nvPr>
+            <p:ph type="title"/>
+          </p:nvPr>
+        </p:nvSpPr>
+        <p:spPr/>
+        <p:txBody>
+          <a:bodyPr/>
+          <a:lstStyle/>
+          <a:p>
+            <a:r>
+              <a:rPr lang="en-US" dirty="0"/>
+              <a:t>I am bob, every day I need to write a report, </a:t>
+            </a:r>
+            <a:br>
+              <a:rPr lang="en-US" dirty="0"/>
+            </a:br>
+            <a:r>
+              <a:rPr lang="en-US" dirty="0"/>
+              <a:t> feel so boring1</a:t>
+            </a:r>
+            <a:endParaRPr lang="en-SG" dirty="0"/>
+          </a:p>
+        </p:txBody>
+      </p:sp>
+      <p:sp>
+        <p:nvSpPr>
+          <p:cNvPr id="3" name="Content Placeholder 2">
+            <a:extLst>
+              <a:ext uri="{FF2B5EF4-FFF2-40B4-BE49-F238E27FC236}">
+                <a16:creationId xmlns:a16="http://schemas.microsoft.com/office/drawing/2014/main" id="{ADDA6EFA-4AA5-5022-8104-0385F8B999E8}"/>
+              </a:ext>
+            </a:extLst>
+          </p:cNvPr>
+          <p:cNvSpPr>
+            <a:spLocks noGrp="1"/>
+          </p:cNvSpPr>
+          <p:nvPr>
+            <p:ph idx="1"/>
+          </p:nvPr>
+        </p:nvSpPr>
+        <p:spPr/>
+        <p:txBody>
+          <a:bodyPr/>
+          <a:lstStyle/>
+          <a:p>
+            <a:r>
+              <a:rPr lang="en-US" dirty="0"/>
+              <a:t>But I have to do this, now let me pause my current working project </a:t>
+            </a:r>
+            <a:r>
+              <a:rPr lang="en-US" dirty="0" err="1"/>
+              <a:t>ui</a:t>
+            </a:r>
+            <a:r>
+              <a:rPr lang="en-US" dirty="0"/>
+              <a:t> here.</a:t>
+            </a:r>
+            <a:endParaRPr lang="en-SG" dirty="0"/>
+          </a:p>
+        </p:txBody>
+      </p:sp>
+      <p:pic>
+        <p:nvPicPr>
+          <p:cNvPr id="5" name="Picture 4">
+            <a:extLst>
+              <a:ext uri="{FF2B5EF4-FFF2-40B4-BE49-F238E27FC236}">
+                <a16:creationId xmlns:a16="http://schemas.microsoft.com/office/drawing/2014/main" id="{FD4AD96F-FDA1-145B-A8E4-1FCA415C9D84}"/>
+              </a:ext>
+            </a:extLst>
+          </p:cNvPr>
+          <p:cNvPicPr>
+            <a:picLocks noChangeAspect="1"/>
+          </p:cNvPicPr>
+          <p:nvPr/>
+        </p:nvPicPr>
+        <p:blipFill>
+          <a:blip r:embed="rId2">
+            <a:extLst>
+              <a:ext uri="{28A0092B-C50C-407E-A947-70E740481C1C}">
+                <a14:useLocalDpi xmlns:a14="http://schemas.microsoft.com/office/drawing/2010/main" val="0"/>
+              </a:ext>
+            </a:extLst>
+          </a:blip>
+          <a:stretch>
+            <a:fillRect/>
+          </a:stretch>
+        </p:blipFill>
+        <p:spPr>
+          <a:xfrm>
+            <a:off x="0" y="810295"/>
+            <a:ext cx="12192000" cy="5237409"/>
+          </a:xfrm>
+          <a:prstGeom prst="rect">
+            <a:avLst/>
+          </a:prstGeom>
+        </p:spPr>
+      </p:pic>
+    </p:spTree>
+    <p:extLst>
+      <p:ext uri="{BB962C8B-B14F-4D97-AF65-F5344CB8AC3E}">
+        <p14:creationId xmlns:p14="http://schemas.microsoft.com/office/powerpoint/2010/main" val="914331965"/>
+      </p:ext>
+    </p:extLst>
+  </p:cSld>
+  <p:clrMapOvr>
+    <a:masterClrMapping/>
+  </p:clrMapOvr>
+</p:sld>
+</file>
+
+<file path=ppt/slides/slide3.xml><?xml version="1.0" encoding="utf-8"?>
+<p:sld xmlns:a="http://schemas.openxmlformats.org/drawingml/2006/main" xmlns:r="http://schemas.openxmlformats.org/officeDocument/2006/relationships" xmlns:p="http://schemas.openxmlformats.org/presentationml/2006/main">
+  <p:cSld>
+    <p:spTree>
+      <p:nvGrpSpPr>
+        <p:cNvPr id="1" name=""/>
+        <p:cNvGrpSpPr/>
+        <p:nvPr/>
+      </p:nvGrpSpPr>
+      <p:grpSpPr>
+        <a:xfrm>
+          <a:off x="0" y="0"/>
+          <a:ext cx="0" cy="0"/>
+          <a:chOff x="0" y="0"/>
+          <a:chExt cx="0" cy="0"/>
+        </a:xfrm>
+      </p:grpSpPr>
+      <p:sp>
+        <p:nvSpPr>
+          <p:cNvPr id="2" name="Title 1">
+            <a:extLst>
+              <a:ext uri="{FF2B5EF4-FFF2-40B4-BE49-F238E27FC236}">
                 <a16:creationId xmlns:a16="http://schemas.microsoft.com/office/drawing/2014/main" id="{B41B308D-BB53-4FBB-A3AB-EB0920DE47DF}"/>
               </a:ext>
             </a:extLst>
@@ -3670,7 +3905,7 @@
 </p:sld>
 </file>
 
-<file path=ppt/slides/slide3.xml><?xml version="1.0" encoding="utf-8"?>
+<file path=ppt/slides/slide4.xml><?xml version="1.0" encoding="utf-8"?>
 <p:sld xmlns:a="http://schemas.openxmlformats.org/drawingml/2006/main" xmlns:r="http://schemas.openxmlformats.org/officeDocument/2006/relationships" xmlns:p="http://schemas.openxmlformats.org/presentationml/2006/main">
   <p:cSld>
     <p:spTree>
@@ -3794,7 +4029,7 @@
 </p:sld>
 </file>
 
-<file path=ppt/slides/slide4.xml><?xml version="1.0" encoding="utf-8"?>
+<file path=ppt/slides/slide5.xml><?xml version="1.0" encoding="utf-8"?>
 <p:sld xmlns:a="http://schemas.openxmlformats.org/drawingml/2006/main" xmlns:r="http://schemas.openxmlformats.org/officeDocument/2006/relationships" xmlns:p="http://schemas.openxmlformats.org/presentationml/2006/main">
   <p:cSld>
     <p:spTree>
@@ -3918,7 +4153,7 @@
 </p:sld>
 </file>
 
-<file path=ppt/slides/slide5.xml><?xml version="1.0" encoding="utf-8"?>
+<file path=ppt/slides/slide6.xml><?xml version="1.0" encoding="utf-8"?>
 <p:sld xmlns:a="http://schemas.openxmlformats.org/drawingml/2006/main" xmlns:r="http://schemas.openxmlformats.org/officeDocument/2006/relationships" xmlns:p="http://schemas.openxmlformats.org/presentationml/2006/main">
   <p:cSld>
     <p:spTree>
@@ -4042,7 +4277,7 @@
 </p:sld>
 </file>
 
-<file path=ppt/slides/slide6.xml><?xml version="1.0" encoding="utf-8"?>
+<file path=ppt/slides/slide7.xml><?xml version="1.0" encoding="utf-8"?>
 <p:sld xmlns:a="http://schemas.openxmlformats.org/drawingml/2006/main" xmlns:r="http://schemas.openxmlformats.org/officeDocument/2006/relationships" xmlns:p="http://schemas.openxmlformats.org/presentationml/2006/main">
   <p:cSld>
     <p:spTree>
@@ -4181,7 +4416,7 @@
 </p:sld>
 </file>
 
-<file path=ppt/slides/slide7.xml><?xml version="1.0" encoding="utf-8"?>
+<file path=ppt/slides/slide8.xml><?xml version="1.0" encoding="utf-8"?>
 <p:sld xmlns:a="http://schemas.openxmlformats.org/drawingml/2006/main" xmlns:r="http://schemas.openxmlformats.org/officeDocument/2006/relationships" xmlns:p="http://schemas.openxmlformats.org/presentationml/2006/main">
   <p:cSld>
     <p:spTree>
@@ -4320,105 +4555,6 @@
 </p:sld>
 </file>
 
-<file path=ppt/slides/slide8.xml><?xml version="1.0" encoding="utf-8"?>
-<p:sld xmlns:a="http://schemas.openxmlformats.org/drawingml/2006/main" xmlns:r="http://schemas.openxmlformats.org/officeDocument/2006/relationships" xmlns:p="http://schemas.openxmlformats.org/presentationml/2006/main">
-  <p:cSld>
-    <p:spTree>
-      <p:nvGrpSpPr>
-        <p:cNvPr id="1" name=""/>
-        <p:cNvGrpSpPr/>
-        <p:nvPr/>
-      </p:nvGrpSpPr>
-      <p:grpSpPr>
-        <a:xfrm>
-          <a:off x="0" y="0"/>
-          <a:ext cx="0" cy="0"/>
-          <a:chOff x="0" y="0"/>
-          <a:chExt cx="0" cy="0"/>
-        </a:xfrm>
-      </p:grpSpPr>
-      <p:sp>
-        <p:nvSpPr>
-          <p:cNvPr id="2" name="Title 1">
-            <a:extLst>
-              <a:ext uri="{FF2B5EF4-FFF2-40B4-BE49-F238E27FC236}">
-                <a16:creationId xmlns:a16="http://schemas.microsoft.com/office/drawing/2014/main" id="{DB5B06D2-33A3-7C1C-53D8-A53AAFF9C8B7}"/>
-              </a:ext>
-            </a:extLst>
-          </p:cNvPr>
-          <p:cNvSpPr>
-            <a:spLocks noGrp="1"/>
-          </p:cNvSpPr>
-          <p:nvPr>
-            <p:ph type="title"/>
-          </p:nvPr>
-        </p:nvSpPr>
-        <p:spPr/>
-        <p:txBody>
-          <a:bodyPr/>
-          <a:lstStyle/>
-          <a:p>
-            <a:r>
-              <a:rPr lang="en-US" dirty="0"/>
-              <a:t>I am bob, every day I need to write a report, </a:t>
-            </a:r>
-            <a:br>
-              <a:rPr lang="en-US" dirty="0"/>
-            </a:br>
-            <a:r>
-              <a:rPr lang="en-US" dirty="0"/>
-              <a:t> feel so boring1</a:t>
-            </a:r>
-            <a:endParaRPr lang="en-SG" dirty="0"/>
-          </a:p>
-        </p:txBody>
-      </p:sp>
-      <p:sp>
-        <p:nvSpPr>
-          <p:cNvPr id="3" name="Content Placeholder 2">
-            <a:extLst>
-              <a:ext uri="{FF2B5EF4-FFF2-40B4-BE49-F238E27FC236}">
-                <a16:creationId xmlns:a16="http://schemas.microsoft.com/office/drawing/2014/main" id="{4FDE9BD9-E69D-97F0-181F-FEB89BCB6695}"/>
-              </a:ext>
-            </a:extLst>
-          </p:cNvPr>
-          <p:cNvSpPr>
-            <a:spLocks noGrp="1"/>
-          </p:cNvSpPr>
-          <p:nvPr>
-            <p:ph idx="1"/>
-          </p:nvPr>
-        </p:nvSpPr>
-        <p:spPr/>
-        <p:txBody>
-          <a:bodyPr/>
-          <a:lstStyle/>
-          <a:p>
-            <a:r>
-              <a:rPr lang="en-US" dirty="0"/>
-              <a:t>But I have to </a:t>
-            </a:r>
-            <a:r>
-              <a:rPr lang="en-US"/>
-              <a:t>do this</a:t>
-            </a:r>
-            <a:endParaRPr lang="en-SG"/>
-          </a:p>
-        </p:txBody>
-      </p:sp>
-    </p:spTree>
-    <p:extLst>
-      <p:ext uri="{BB962C8B-B14F-4D97-AF65-F5344CB8AC3E}">
-        <p14:creationId xmlns:p14="http://schemas.microsoft.com/office/powerpoint/2010/main" val="2071762953"/>
-      </p:ext>
-    </p:extLst>
-  </p:cSld>
-  <p:clrMapOvr>
-    <a:masterClrMapping/>
-  </p:clrMapOvr>
-</p:sld>
-</file>
-
 <file path=ppt/slides/slide9.xml><?xml version="1.0" encoding="utf-8"?>
 <p:sld xmlns:a="http://schemas.openxmlformats.org/drawingml/2006/main" xmlns:r="http://schemas.openxmlformats.org/officeDocument/2006/relationships" xmlns:p="http://schemas.openxmlformats.org/presentationml/2006/main">
   <p:cSld>
@@ -4441,7 +4577,7 @@
           <p:cNvPr id="2" name="Title 1">
             <a:extLst>
               <a:ext uri="{FF2B5EF4-FFF2-40B4-BE49-F238E27FC236}">
-                <a16:creationId xmlns:a16="http://schemas.microsoft.com/office/drawing/2014/main" id="{183F2662-3D0E-6E10-7F6A-4AD88D589011}"/>
+                <a16:creationId xmlns:a16="http://schemas.microsoft.com/office/drawing/2014/main" id="{DB5B06D2-33A3-7C1C-53D8-A53AAFF9C8B7}"/>
               </a:ext>
             </a:extLst>
           </p:cNvPr>
@@ -4466,37 +4602,41 @@
             </a:br>
             <a:r>
               <a:rPr lang="en-US" dirty="0"/>
-              <a:t> feel so boring1	but I have to </a:t>
+              <a:t> feel so boring1</a:t>
+            </a:r>
+            <a:endParaRPr lang="en-SG" dirty="0"/>
+          </a:p>
+        </p:txBody>
+      </p:sp>
+      <p:sp>
+        <p:nvSpPr>
+          <p:cNvPr id="3" name="Content Placeholder 2">
+            <a:extLst>
+              <a:ext uri="{FF2B5EF4-FFF2-40B4-BE49-F238E27FC236}">
+                <a16:creationId xmlns:a16="http://schemas.microsoft.com/office/drawing/2014/main" id="{4FDE9BD9-E69D-97F0-181F-FEB89BCB6695}"/>
+              </a:ext>
+            </a:extLst>
+          </p:cNvPr>
+          <p:cNvSpPr>
+            <a:spLocks noGrp="1"/>
+          </p:cNvSpPr>
+          <p:nvPr>
+            <p:ph idx="1"/>
+          </p:nvPr>
+        </p:nvSpPr>
+        <p:spPr/>
+        <p:txBody>
+          <a:bodyPr/>
+          <a:lstStyle/>
+          <a:p>
+            <a:r>
+              <a:rPr lang="en-US" dirty="0"/>
+              <a:t>But I have to </a:t>
             </a:r>
             <a:r>
               <a:rPr lang="en-US"/>
               <a:t>do this</a:t>
             </a:r>
-            <a:endParaRPr lang="en-SG"/>
-          </a:p>
-        </p:txBody>
-      </p:sp>
-      <p:sp>
-        <p:nvSpPr>
-          <p:cNvPr id="3" name="Content Placeholder 2">
-            <a:extLst>
-              <a:ext uri="{FF2B5EF4-FFF2-40B4-BE49-F238E27FC236}">
-                <a16:creationId xmlns:a16="http://schemas.microsoft.com/office/drawing/2014/main" id="{8D88818A-4ABC-F480-7B77-6F5545AA4231}"/>
-              </a:ext>
-            </a:extLst>
-          </p:cNvPr>
-          <p:cNvSpPr>
-            <a:spLocks noGrp="1"/>
-          </p:cNvSpPr>
-          <p:nvPr>
-            <p:ph idx="1"/>
-          </p:nvPr>
-        </p:nvSpPr>
-        <p:spPr/>
-        <p:txBody>
-          <a:bodyPr/>
-          <a:lstStyle/>
-          <a:p>
             <a:endParaRPr lang="en-SG"/>
           </a:p>
         </p:txBody>
@@ -4504,7 +4644,7 @@
     </p:spTree>
     <p:extLst>
       <p:ext uri="{BB962C8B-B14F-4D97-AF65-F5344CB8AC3E}">
-        <p14:creationId xmlns:p14="http://schemas.microsoft.com/office/powerpoint/2010/main" val="714877724"/>
+        <p14:creationId xmlns:p14="http://schemas.microsoft.com/office/powerpoint/2010/main" val="2071762953"/>
       </p:ext>
     </p:extLst>
   </p:cSld>
